--- a/CanYouWeb2014.pptx
+++ b/CanYouWeb2014.pptx
@@ -296,7 +296,7 @@
           <a:p>
             <a:fld id="{278722F9-6EDB-4489-89BC-FC2770BC9D04}" type="datetimeFigureOut">
               <a:rPr lang="fr-FR" smtClean="0"/>
-              <a:t>11/04/2014</a:t>
+              <a:t>12/04/2014</a:t>
             </a:fld>
             <a:endParaRPr lang="fr-FR"/>
           </a:p>
@@ -466,7 +466,7 @@
           <a:p>
             <a:fld id="{278722F9-6EDB-4489-89BC-FC2770BC9D04}" type="datetimeFigureOut">
               <a:rPr lang="fr-FR" smtClean="0"/>
-              <a:t>11/04/2014</a:t>
+              <a:t>12/04/2014</a:t>
             </a:fld>
             <a:endParaRPr lang="fr-FR"/>
           </a:p>
@@ -646,7 +646,7 @@
           <a:p>
             <a:fld id="{278722F9-6EDB-4489-89BC-FC2770BC9D04}" type="datetimeFigureOut">
               <a:rPr lang="fr-FR" smtClean="0"/>
-              <a:t>11/04/2014</a:t>
+              <a:t>12/04/2014</a:t>
             </a:fld>
             <a:endParaRPr lang="fr-FR"/>
           </a:p>
@@ -816,7 +816,7 @@
           <a:p>
             <a:fld id="{278722F9-6EDB-4489-89BC-FC2770BC9D04}" type="datetimeFigureOut">
               <a:rPr lang="fr-FR" smtClean="0"/>
-              <a:t>11/04/2014</a:t>
+              <a:t>12/04/2014</a:t>
             </a:fld>
             <a:endParaRPr lang="fr-FR"/>
           </a:p>
@@ -1062,7 +1062,7 @@
           <a:p>
             <a:fld id="{278722F9-6EDB-4489-89BC-FC2770BC9D04}" type="datetimeFigureOut">
               <a:rPr lang="fr-FR" smtClean="0"/>
-              <a:t>11/04/2014</a:t>
+              <a:t>12/04/2014</a:t>
             </a:fld>
             <a:endParaRPr lang="fr-FR"/>
           </a:p>
@@ -1350,7 +1350,7 @@
           <a:p>
             <a:fld id="{278722F9-6EDB-4489-89BC-FC2770BC9D04}" type="datetimeFigureOut">
               <a:rPr lang="fr-FR" smtClean="0"/>
-              <a:t>11/04/2014</a:t>
+              <a:t>12/04/2014</a:t>
             </a:fld>
             <a:endParaRPr lang="fr-FR"/>
           </a:p>
@@ -1772,7 +1772,7 @@
           <a:p>
             <a:fld id="{278722F9-6EDB-4489-89BC-FC2770BC9D04}" type="datetimeFigureOut">
               <a:rPr lang="fr-FR" smtClean="0"/>
-              <a:t>11/04/2014</a:t>
+              <a:t>12/04/2014</a:t>
             </a:fld>
             <a:endParaRPr lang="fr-FR"/>
           </a:p>
@@ -1890,7 +1890,7 @@
           <a:p>
             <a:fld id="{278722F9-6EDB-4489-89BC-FC2770BC9D04}" type="datetimeFigureOut">
               <a:rPr lang="fr-FR" smtClean="0"/>
-              <a:t>11/04/2014</a:t>
+              <a:t>12/04/2014</a:t>
             </a:fld>
             <a:endParaRPr lang="fr-FR"/>
           </a:p>
@@ -1985,7 +1985,7 @@
           <a:p>
             <a:fld id="{278722F9-6EDB-4489-89BC-FC2770BC9D04}" type="datetimeFigureOut">
               <a:rPr lang="fr-FR" smtClean="0"/>
-              <a:t>11/04/2014</a:t>
+              <a:t>12/04/2014</a:t>
             </a:fld>
             <a:endParaRPr lang="fr-FR"/>
           </a:p>
@@ -2262,7 +2262,7 @@
           <a:p>
             <a:fld id="{278722F9-6EDB-4489-89BC-FC2770BC9D04}" type="datetimeFigureOut">
               <a:rPr lang="fr-FR" smtClean="0"/>
-              <a:t>11/04/2014</a:t>
+              <a:t>12/04/2014</a:t>
             </a:fld>
             <a:endParaRPr lang="fr-FR"/>
           </a:p>
@@ -2515,7 +2515,7 @@
           <a:p>
             <a:fld id="{278722F9-6EDB-4489-89BC-FC2770BC9D04}" type="datetimeFigureOut">
               <a:rPr lang="fr-FR" smtClean="0"/>
-              <a:t>11/04/2014</a:t>
+              <a:t>12/04/2014</a:t>
             </a:fld>
             <a:endParaRPr lang="fr-FR"/>
           </a:p>
@@ -2742,7 +2742,7 @@
           <a:p>
             <a:fld id="{278722F9-6EDB-4489-89BC-FC2770BC9D04}" type="datetimeFigureOut">
               <a:rPr lang="fr-FR" smtClean="0"/>
-              <a:t>11/04/2014</a:t>
+              <a:t>12/04/2014</a:t>
             </a:fld>
             <a:endParaRPr lang="fr-FR"/>
           </a:p>
@@ -4605,7 +4605,7 @@
         </p:blipFill>
         <p:spPr bwMode="auto">
           <a:xfrm>
-            <a:off x="5292080" y="2420888"/>
+            <a:off x="5290156" y="2132856"/>
             <a:ext cx="3411452" cy="838958"/>
           </a:xfrm>
           <a:prstGeom prst="rect">
@@ -4631,8 +4631,8 @@
         </p:nvSpPr>
         <p:spPr>
           <a:xfrm>
-            <a:off x="5290156" y="3561712"/>
-            <a:ext cx="3662138" cy="2123658"/>
+            <a:off x="5290156" y="3212976"/>
+            <a:ext cx="3662138" cy="3170099"/>
           </a:xfrm>
           <a:prstGeom prst="rect">
             <a:avLst/>
@@ -4647,7 +4647,7 @@
           <a:p>
             <a:pPr algn="ctr"/>
             <a:r>
-              <a:rPr lang="fr-FR" sz="4400" dirty="0">
+              <a:rPr lang="fr-FR" sz="4000" dirty="0">
                 <a:ln w="18415" cmpd="sng">
                   <a:solidFill>
                     <a:srgbClr val="FFFFFF"/>
@@ -4674,7 +4674,7 @@
               <a:buChar char="•"/>
             </a:pPr>
             <a:r>
-              <a:rPr lang="fr-FR" sz="4400" dirty="0" err="1">
+              <a:rPr lang="fr-FR" sz="4000" dirty="0" err="1">
                 <a:ln w="18415" cmpd="sng">
                   <a:solidFill>
                     <a:srgbClr val="FFFFFF"/>
@@ -4694,7 +4694,7 @@
               </a:rPr>
               <a:t>CarouFredSel</a:t>
             </a:r>
-            <a:endParaRPr lang="fr-FR" sz="4400" dirty="0">
+            <a:endParaRPr lang="fr-FR" sz="4000" dirty="0">
               <a:ln w="18415" cmpd="sng">
                 <a:solidFill>
                   <a:srgbClr val="FFFFFF"/>
@@ -4719,7 +4719,7 @@
               <a:buChar char="•"/>
             </a:pPr>
             <a:r>
-              <a:rPr lang="fr-FR" sz="4400" dirty="0" err="1">
+              <a:rPr lang="fr-FR" sz="4000" dirty="0" err="1" smtClean="0">
                 <a:ln w="18415" cmpd="sng">
                   <a:solidFill>
                     <a:srgbClr val="FFFFFF"/>
@@ -4739,7 +4739,97 @@
               </a:rPr>
               <a:t>Parallax</a:t>
             </a:r>
-            <a:endParaRPr lang="fr-FR" sz="4400" dirty="0">
+            <a:endParaRPr lang="fr-FR" sz="4000" dirty="0" smtClean="0">
+              <a:ln w="18415" cmpd="sng">
+                <a:solidFill>
+                  <a:srgbClr val="FFFFFF"/>
+                </a:solidFill>
+                <a:prstDash val="solid"/>
+              </a:ln>
+              <a:solidFill>
+                <a:srgbClr val="FFFFFF"/>
+              </a:solidFill>
+              <a:effectLst>
+                <a:outerShdw blurRad="50800" dist="38100" dir="5400000" algn="t" rotWithShape="0">
+                  <a:prstClr val="black">
+                    <a:alpha val="40000"/>
+                  </a:prstClr>
+                </a:outerShdw>
+              </a:effectLst>
+            </a:endParaRPr>
+          </a:p>
+          <a:p>
+            <a:pPr marL="285750" indent="-285750" algn="ctr">
+              <a:buFont typeface="Arial" pitchFamily="34" charset="0"/>
+              <a:buChar char="•"/>
+            </a:pPr>
+            <a:r>
+              <a:rPr lang="fr-FR" sz="4000" dirty="0" err="1" smtClean="0">
+                <a:ln w="18415" cmpd="sng">
+                  <a:solidFill>
+                    <a:srgbClr val="FFFFFF"/>
+                  </a:solidFill>
+                  <a:prstDash val="solid"/>
+                </a:ln>
+                <a:solidFill>
+                  <a:srgbClr val="FFFFFF"/>
+                </a:solidFill>
+                <a:effectLst>
+                  <a:outerShdw blurRad="50800" dist="38100" dir="5400000" algn="t" rotWithShape="0">
+                    <a:prstClr val="black">
+                      <a:alpha val="40000"/>
+                    </a:prstClr>
+                  </a:outerShdw>
+                </a:effectLst>
+              </a:rPr>
+              <a:t>FancyBox</a:t>
+            </a:r>
+            <a:endParaRPr lang="fr-FR" sz="4000" dirty="0" smtClean="0">
+              <a:ln w="18415" cmpd="sng">
+                <a:solidFill>
+                  <a:srgbClr val="FFFFFF"/>
+                </a:solidFill>
+                <a:prstDash val="solid"/>
+              </a:ln>
+              <a:solidFill>
+                <a:srgbClr val="FFFFFF"/>
+              </a:solidFill>
+              <a:effectLst>
+                <a:outerShdw blurRad="50800" dist="38100" dir="5400000" algn="t" rotWithShape="0">
+                  <a:prstClr val="black">
+                    <a:alpha val="40000"/>
+                  </a:prstClr>
+                </a:outerShdw>
+              </a:effectLst>
+            </a:endParaRPr>
+          </a:p>
+          <a:p>
+            <a:pPr marL="285750" indent="-285750" algn="ctr">
+              <a:buFont typeface="Arial" pitchFamily="34" charset="0"/>
+              <a:buChar char="•"/>
+            </a:pPr>
+            <a:r>
+              <a:rPr lang="fr-FR" sz="4000" dirty="0" err="1" smtClean="0">
+                <a:ln w="18415" cmpd="sng">
+                  <a:solidFill>
+                    <a:srgbClr val="FFFFFF"/>
+                  </a:solidFill>
+                  <a:prstDash val="solid"/>
+                </a:ln>
+                <a:solidFill>
+                  <a:srgbClr val="FFFFFF"/>
+                </a:solidFill>
+                <a:effectLst>
+                  <a:outerShdw blurRad="50800" dist="38100" dir="5400000" algn="t" rotWithShape="0">
+                    <a:prstClr val="black">
+                      <a:alpha val="40000"/>
+                    </a:prstClr>
+                  </a:outerShdw>
+                </a:effectLst>
+              </a:rPr>
+              <a:t>ScrollMagic</a:t>
+            </a:r>
+            <a:endParaRPr lang="fr-FR" sz="4000" dirty="0">
               <a:ln w="18415" cmpd="sng">
                 <a:solidFill>
                   <a:srgbClr val="FFFFFF"/>
